--- a/ProjectFIRE.pptx
+++ b/ProjectFIRE.pptx
@@ -10,8 +10,9 @@
     <p:sldId id="257" r:id="rId4"/>
     <p:sldId id="259" r:id="rId5"/>
     <p:sldId id="260" r:id="rId6"/>
-    <p:sldId id="261" r:id="rId7"/>
-    <p:sldId id="262" r:id="rId8"/>
+    <p:sldId id="262" r:id="rId7"/>
+    <p:sldId id="264" r:id="rId8"/>
+    <p:sldId id="263" r:id="rId9"/>
   </p:sldIdLst>
   <p:sldSz cx="12192000" cy="6858000"/>
   <p:notesSz cx="6858000" cy="9144000"/>
@@ -110,6 +111,11 @@
       </a:defRPr>
     </a:lvl9pPr>
   </p:defaultTextStyle>
+  <p:extLst>
+    <p:ext uri="{EFAFB233-063F-42B5-8137-9DF3F51BA10A}">
+      <p15:sldGuideLst xmlns:p15="http://schemas.microsoft.com/office/powerpoint/2012/main"/>
+    </p:ext>
+  </p:extLst>
 </p:presentation>
 </file>
 
@@ -283,7 +289,7 @@
             <a:fld id="{87DE6118-2437-4B30-8E3C-4D2BE6020583}" type="datetimeFigureOut">
               <a:rPr lang="en-US" dirty="0"/>
               <a:pPr/>
-              <a:t>12/4/2017</a:t>
+              <a:t>12/5/2017</a:t>
             </a:fld>
             <a:endParaRPr lang="en-US" dirty="0"/>
           </a:p>
@@ -609,7 +615,7 @@
           <a:p>
             <a:fld id="{87DE6118-2437-4B30-8E3C-4D2BE6020583}" type="datetimeFigureOut">
               <a:rPr lang="en-US" dirty="0"/>
-              <a:t>12/4/2017</a:t>
+              <a:t>12/5/2017</a:t>
             </a:fld>
             <a:endParaRPr lang="en-US" dirty="0"/>
           </a:p>
@@ -784,7 +790,7 @@
           <a:p>
             <a:fld id="{87DE6118-2437-4B30-8E3C-4D2BE6020583}" type="datetimeFigureOut">
               <a:rPr lang="en-US" dirty="0"/>
-              <a:t>12/4/2017</a:t>
+              <a:t>12/5/2017</a:t>
             </a:fld>
             <a:endParaRPr lang="en-US" dirty="0"/>
           </a:p>
@@ -949,7 +955,7 @@
           <a:p>
             <a:fld id="{87DE6118-2437-4B30-8E3C-4D2BE6020583}" type="datetimeFigureOut">
               <a:rPr lang="en-US" dirty="0"/>
-              <a:t>12/4/2017</a:t>
+              <a:t>12/5/2017</a:t>
             </a:fld>
             <a:endParaRPr lang="en-US" dirty="0"/>
           </a:p>
@@ -1222,7 +1228,7 @@
             <a:fld id="{87DE6118-2437-4B30-8E3C-4D2BE6020583}" type="datetimeFigureOut">
               <a:rPr lang="en-US" dirty="0"/>
               <a:pPr/>
-              <a:t>12/4/2017</a:t>
+              <a:t>12/5/2017</a:t>
             </a:fld>
             <a:endParaRPr lang="en-US" dirty="0"/>
           </a:p>
@@ -1612,7 +1618,7 @@
           <a:p>
             <a:fld id="{87DE6118-2437-4B30-8E3C-4D2BE6020583}" type="datetimeFigureOut">
               <a:rPr lang="en-US" dirty="0"/>
-              <a:t>12/4/2017</a:t>
+              <a:t>12/5/2017</a:t>
             </a:fld>
             <a:endParaRPr lang="en-US" dirty="0"/>
           </a:p>
@@ -2084,7 +2090,7 @@
           <a:p>
             <a:fld id="{87DE6118-2437-4B30-8E3C-4D2BE6020583}" type="datetimeFigureOut">
               <a:rPr lang="en-US" dirty="0"/>
-              <a:t>12/4/2017</a:t>
+              <a:t>12/5/2017</a:t>
             </a:fld>
             <a:endParaRPr lang="en-US" dirty="0"/>
           </a:p>
@@ -2197,7 +2203,7 @@
           <a:p>
             <a:fld id="{87DE6118-2437-4B30-8E3C-4D2BE6020583}" type="datetimeFigureOut">
               <a:rPr lang="en-US" dirty="0"/>
-              <a:t>12/4/2017</a:t>
+              <a:t>12/5/2017</a:t>
             </a:fld>
             <a:endParaRPr lang="en-US" dirty="0"/>
           </a:p>
@@ -2287,7 +2293,7 @@
           <a:p>
             <a:fld id="{87DE6118-2437-4B30-8E3C-4D2BE6020583}" type="datetimeFigureOut">
               <a:rPr lang="en-US" dirty="0"/>
-              <a:t>12/4/2017</a:t>
+              <a:t>12/5/2017</a:t>
             </a:fld>
             <a:endParaRPr lang="en-US" dirty="0"/>
           </a:p>
@@ -2629,7 +2635,7 @@
             <a:fld id="{87DE6118-2437-4B30-8E3C-4D2BE6020583}" type="datetimeFigureOut">
               <a:rPr lang="en-US" dirty="0"/>
               <a:pPr/>
-              <a:t>12/4/2017</a:t>
+              <a:t>12/5/2017</a:t>
             </a:fld>
             <a:endParaRPr lang="en-US" dirty="0"/>
           </a:p>
@@ -3014,7 +3020,7 @@
             <a:fld id="{87DE6118-2437-4B30-8E3C-4D2BE6020583}" type="datetimeFigureOut">
               <a:rPr lang="en-US" dirty="0"/>
               <a:pPr/>
-              <a:t>12/4/2017</a:t>
+              <a:t>12/5/2017</a:t>
             </a:fld>
             <a:endParaRPr lang="en-US" dirty="0"/>
           </a:p>
@@ -3289,7 +3295,7 @@
             <a:fld id="{87DE6118-2437-4B30-8E3C-4D2BE6020583}" type="datetimeFigureOut">
               <a:rPr lang="en-US" dirty="0"/>
               <a:pPr/>
-              <a:t>12/4/2017</a:t>
+              <a:t>12/5/2017</a:t>
             </a:fld>
             <a:endParaRPr lang="en-US" dirty="0"/>
           </a:p>
@@ -4057,29 +4063,48 @@
           <a:lstStyle/>
           <a:p>
             <a:r>
+              <a:rPr lang="en-US" dirty="0"/>
+              <a:t>Interpreted</a:t>
+            </a:r>
+          </a:p>
+          <a:p>
+            <a:r>
+              <a:rPr lang="en-US" dirty="0"/>
+              <a:t>Client-side</a:t>
+            </a:r>
+          </a:p>
+          <a:p>
+            <a:pPr lvl="1"/>
+            <a:r>
+              <a:rPr lang="en-US" dirty="0"/>
+              <a:t>HTML &amp; JavaScript</a:t>
+            </a:r>
+          </a:p>
+          <a:p>
+            <a:r>
+              <a:rPr lang="en-US" dirty="0"/>
+              <a:t>Loosely-typed </a:t>
+            </a:r>
+            <a:r>
+              <a:rPr lang="en-US" dirty="0" smtClean="0">
+                <a:sym typeface="Wingdings" panose="05000000000000000000" pitchFamily="2" charset="2"/>
+              </a:rPr>
+              <a:t></a:t>
+            </a:r>
+            <a:r>
               <a:rPr lang="en-US" dirty="0" smtClean="0"/>
-              <a:t>Interpreted</a:t>
-            </a:r>
-          </a:p>
-          <a:p>
-            <a:r>
-              <a:rPr lang="en-US" dirty="0" smtClean="0"/>
-              <a:t>Client-side</a:t>
-            </a:r>
-          </a:p>
-          <a:p>
-            <a:pPr lvl="1"/>
-            <a:r>
-              <a:rPr lang="en-US" dirty="0" smtClean="0"/>
-              <a:t>HTML &amp; JavaScript</a:t>
-            </a:r>
-          </a:p>
-          <a:p>
-            <a:r>
-              <a:rPr lang="en-US" dirty="0" smtClean="0"/>
+              <a:t> </a:t>
+            </a:r>
+            <a:r>
+              <a:rPr lang="en-US" dirty="0"/>
+              <a:t>strongly-typed</a:t>
+            </a:r>
+          </a:p>
+          <a:p>
+            <a:r>
+              <a:rPr lang="en-US" dirty="0"/>
               <a:t>“.iced” files</a:t>
             </a:r>
-            <a:endParaRPr lang="en-US" dirty="0"/>
           </a:p>
         </p:txBody>
       </p:sp>
@@ -4191,31 +4216,126 @@
           <a:p>
             <a:r>
               <a:rPr lang="en-US" dirty="0" smtClean="0"/>
-              <a:t>Dictionaries</a:t>
-            </a:r>
-            <a:endParaRPr lang="en-US" dirty="0"/>
-          </a:p>
-        </p:txBody>
-      </p:sp>
-      <p:sp>
-        <p:nvSpPr>
-          <p:cNvPr id="3" name="Content Placeholder 2"/>
-          <p:cNvSpPr>
-            <a:spLocks noGrp="1"/>
-          </p:cNvSpPr>
-          <p:nvPr>
-            <p:ph idx="1"/>
-          </p:nvPr>
-        </p:nvSpPr>
-        <p:spPr/>
-        <p:txBody>
-          <a:bodyPr/>
-          <a:lstStyle/>
-          <a:p>
-            <a:endParaRPr lang="en-US" dirty="0"/>
-          </a:p>
-        </p:txBody>
-      </p:sp>
+              <a:t>Dictionaries               </a:t>
+            </a:r>
+            <a:r>
+              <a:rPr lang="en-US" sz="2000" dirty="0" smtClean="0"/>
+              <a:t>Our </a:t>
+            </a:r>
+            <a:r>
+              <a:rPr lang="en-US" sz="2000" dirty="0"/>
+              <a:t>Dictionary Uses:</a:t>
+            </a:r>
+            <a:r>
+              <a:rPr lang="en-US" dirty="0" smtClean="0"/>
+              <a:t/>
+            </a:r>
+            <a:br>
+              <a:rPr lang="en-US" dirty="0" smtClean="0"/>
+            </a:br>
+            <a:r>
+              <a:rPr lang="en-US" sz="2000" dirty="0" smtClean="0"/>
+              <a:t> Examples:				</a:t>
+            </a:r>
+            <a:endParaRPr lang="en-US" dirty="0"/>
+          </a:p>
+        </p:txBody>
+      </p:sp>
+      <p:pic>
+        <p:nvPicPr>
+          <p:cNvPr id="4" name="Picture 3"/>
+          <p:cNvPicPr>
+            <a:picLocks noChangeAspect="1"/>
+          </p:cNvPicPr>
+          <p:nvPr/>
+        </p:nvPicPr>
+        <p:blipFill>
+          <a:blip r:embed="rId2"/>
+          <a:stretch>
+            <a:fillRect/>
+          </a:stretch>
+        </p:blipFill>
+        <p:spPr>
+          <a:xfrm>
+            <a:off x="1497875" y="1689463"/>
+            <a:ext cx="4583546" cy="5185954"/>
+          </a:xfrm>
+          <a:prstGeom prst="rect">
+            <a:avLst/>
+          </a:prstGeom>
+        </p:spPr>
+      </p:pic>
+      <p:pic>
+        <p:nvPicPr>
+          <p:cNvPr id="5" name="Picture 4"/>
+          <p:cNvPicPr>
+            <a:picLocks noChangeAspect="1"/>
+          </p:cNvPicPr>
+          <p:nvPr/>
+        </p:nvPicPr>
+        <p:blipFill rotWithShape="1">
+          <a:blip r:embed="rId3"/>
+          <a:srcRect b="1164"/>
+          <a:stretch/>
+        </p:blipFill>
+        <p:spPr>
+          <a:xfrm>
+            <a:off x="6411277" y="5004557"/>
+            <a:ext cx="3556947" cy="1849090"/>
+          </a:xfrm>
+          <a:prstGeom prst="rect">
+            <a:avLst/>
+          </a:prstGeom>
+        </p:spPr>
+      </p:pic>
+      <p:pic>
+        <p:nvPicPr>
+          <p:cNvPr id="6" name="Picture 5"/>
+          <p:cNvPicPr>
+            <a:picLocks noChangeAspect="1"/>
+          </p:cNvPicPr>
+          <p:nvPr/>
+        </p:nvPicPr>
+        <p:blipFill>
+          <a:blip r:embed="rId4"/>
+          <a:stretch>
+            <a:fillRect/>
+          </a:stretch>
+        </p:blipFill>
+        <p:spPr>
+          <a:xfrm>
+            <a:off x="6411277" y="1319212"/>
+            <a:ext cx="3514725" cy="1704975"/>
+          </a:xfrm>
+          <a:prstGeom prst="rect">
+            <a:avLst/>
+          </a:prstGeom>
+        </p:spPr>
+      </p:pic>
+      <p:pic>
+        <p:nvPicPr>
+          <p:cNvPr id="7" name="Picture 6"/>
+          <p:cNvPicPr>
+            <a:picLocks noChangeAspect="1"/>
+          </p:cNvPicPr>
+          <p:nvPr/>
+        </p:nvPicPr>
+        <p:blipFill>
+          <a:blip r:embed="rId5"/>
+          <a:stretch>
+            <a:fillRect/>
+          </a:stretch>
+        </p:blipFill>
+        <p:spPr>
+          <a:xfrm>
+            <a:off x="6411277" y="3057109"/>
+            <a:ext cx="5562600" cy="1914525"/>
+          </a:xfrm>
+          <a:prstGeom prst="rect">
+            <a:avLst/>
+          </a:prstGeom>
+        </p:spPr>
+      </p:pic>
     </p:spTree>
     <p:extLst>
       <p:ext uri="{BB962C8B-B14F-4D97-AF65-F5344CB8AC3E}">
@@ -4262,8 +4382,12 @@
           <a:lstStyle/>
           <a:p>
             <a:r>
+              <a:rPr lang="en-US" dirty="0"/>
+              <a:t>Handling “Keywords</a:t>
+            </a:r>
+            <a:r>
               <a:rPr lang="en-US" dirty="0" smtClean="0"/>
-              <a:t>Handling “Keywords”</a:t>
+              <a:t>” (Logic)</a:t>
             </a:r>
             <a:endParaRPr lang="en-US" dirty="0"/>
           </a:p>
@@ -4284,20 +4408,89 @@
           <a:bodyPr/>
           <a:lstStyle/>
           <a:p>
-            <a:endParaRPr lang="en-US"/>
+            <a:pPr marL="457200" indent="-457200">
+              <a:buFont typeface="+mj-lt"/>
+              <a:buAutoNum type="arabicPeriod"/>
+            </a:pPr>
+            <a:r>
+              <a:rPr lang="en-US" dirty="0" smtClean="0"/>
+              <a:t>Get string of input</a:t>
+            </a:r>
+          </a:p>
+          <a:p>
+            <a:pPr marL="457200" indent="-457200">
+              <a:buFont typeface="+mj-lt"/>
+              <a:buAutoNum type="arabicPeriod"/>
+            </a:pPr>
+            <a:r>
+              <a:rPr lang="en-US" dirty="0" smtClean="0"/>
+              <a:t>Split string by semicolons to get </a:t>
+            </a:r>
+            <a:r>
+              <a:rPr lang="en-US" i="1" dirty="0" smtClean="0"/>
+              <a:t>statements</a:t>
+            </a:r>
+            <a:endParaRPr lang="en-US" dirty="0" smtClean="0"/>
+          </a:p>
+          <a:p>
+            <a:pPr marL="457200" indent="-457200">
+              <a:buFont typeface="+mj-lt"/>
+              <a:buAutoNum type="arabicPeriod"/>
+            </a:pPr>
+            <a:r>
+              <a:rPr lang="en-US" dirty="0" smtClean="0"/>
+              <a:t>Loop through statements</a:t>
+            </a:r>
+          </a:p>
+          <a:p>
+            <a:pPr marL="457200" indent="-457200">
+              <a:buFont typeface="+mj-lt"/>
+              <a:buAutoNum type="arabicPeriod"/>
+            </a:pPr>
+            <a:r>
+              <a:rPr lang="en-US" dirty="0" smtClean="0"/>
+              <a:t>Inside the loop, split each statement into words</a:t>
+            </a:r>
+          </a:p>
+          <a:p>
+            <a:pPr marL="457200" indent="-457200">
+              <a:buFont typeface="+mj-lt"/>
+              <a:buAutoNum type="arabicPeriod"/>
+            </a:pPr>
+            <a:r>
+              <a:rPr lang="en-US" dirty="0" smtClean="0"/>
+              <a:t>Check the keywords dictionary for the first word in the statement</a:t>
+            </a:r>
+          </a:p>
+          <a:p>
+            <a:pPr marL="457200" indent="-457200">
+              <a:buFont typeface="+mj-lt"/>
+              <a:buAutoNum type="arabicPeriod"/>
+            </a:pPr>
+            <a:r>
+              <a:rPr lang="en-US" dirty="0" smtClean="0"/>
+              <a:t>If word exists, handle that statement</a:t>
+            </a:r>
           </a:p>
         </p:txBody>
       </p:sp>
     </p:spTree>
     <p:extLst>
       <p:ext uri="{BB962C8B-B14F-4D97-AF65-F5344CB8AC3E}">
-        <p14:creationId xmlns:p14="http://schemas.microsoft.com/office/powerpoint/2010/main" val="1788783599"/>
+        <p14:creationId xmlns:p14="http://schemas.microsoft.com/office/powerpoint/2010/main" val="184119660"/>
       </p:ext>
     </p:extLst>
   </p:cSld>
   <p:clrMapOvr>
     <a:masterClrMapping/>
   </p:clrMapOvr>
+  <p:timing>
+    <p:tnLst>
+      <p:par>
+        <p:cTn id="1" dur="indefinite" restart="never" nodeType="tmRoot"/>
+      </p:par>
+    </p:tnLst>
+  </p:timing>
 </p:sld>
 </file>
 
@@ -4328,48 +4521,581 @@
             <p:ph type="title"/>
           </p:nvPr>
         </p:nvSpPr>
-        <p:spPr/>
+        <p:spPr>
+          <a:xfrm>
+            <a:off x="1371600" y="685800"/>
+            <a:ext cx="9601200" cy="820783"/>
+          </a:xfrm>
+        </p:spPr>
         <p:txBody>
           <a:bodyPr/>
           <a:lstStyle/>
           <a:p>
             <a:r>
+              <a:rPr lang="en-US" dirty="0"/>
+              <a:t>Handling “Keywords</a:t>
+            </a:r>
+            <a:r>
               <a:rPr lang="en-US" dirty="0" smtClean="0"/>
-              <a:t>Text &amp; File Input</a:t>
-            </a:r>
-            <a:endParaRPr lang="en-US" dirty="0"/>
-          </a:p>
-        </p:txBody>
-      </p:sp>
-      <p:sp>
-        <p:nvSpPr>
-          <p:cNvPr id="3" name="Content Placeholder 2"/>
-          <p:cNvSpPr>
-            <a:spLocks noGrp="1"/>
-          </p:cNvSpPr>
-          <p:nvPr>
-            <p:ph idx="1"/>
-          </p:nvPr>
-        </p:nvSpPr>
-        <p:spPr/>
-        <p:txBody>
-          <a:bodyPr/>
+              <a:t>” (Code)</a:t>
+            </a:r>
+            <a:endParaRPr lang="en-US" dirty="0"/>
+          </a:p>
+        </p:txBody>
+      </p:sp>
+      <p:sp>
+        <p:nvSpPr>
+          <p:cNvPr id="7" name="TextBox 6"/>
+          <p:cNvSpPr txBox="1"/>
+          <p:nvPr/>
+        </p:nvSpPr>
+        <p:spPr>
+          <a:xfrm>
+            <a:off x="1371600" y="1598879"/>
+            <a:ext cx="3056709" cy="369332"/>
+          </a:xfrm>
+          <a:prstGeom prst="rect">
+            <a:avLst/>
+          </a:prstGeom>
+          <a:noFill/>
+        </p:spPr>
+        <p:txBody>
+          <a:bodyPr wrap="square" rtlCol="0">
+            <a:spAutoFit/>
+          </a:bodyPr>
           <a:lstStyle/>
           <a:p>
-            <a:endParaRPr lang="en-US"/>
+            <a:r>
+              <a:rPr lang="en-US" dirty="0" smtClean="0"/>
+              <a:t>Splitting text into </a:t>
+            </a:r>
+            <a:r>
+              <a:rPr lang="en-US" i="1" dirty="0" smtClean="0"/>
+              <a:t>statements</a:t>
+            </a:r>
+            <a:endParaRPr lang="en-US" dirty="0"/>
+          </a:p>
+        </p:txBody>
+      </p:sp>
+      <p:pic>
+        <p:nvPicPr>
+          <p:cNvPr id="8" name="Picture 7"/>
+          <p:cNvPicPr>
+            <a:picLocks noChangeAspect="1"/>
+          </p:cNvPicPr>
+          <p:nvPr/>
+        </p:nvPicPr>
+        <p:blipFill>
+          <a:blip r:embed="rId2"/>
+          <a:stretch>
+            <a:fillRect/>
+          </a:stretch>
+        </p:blipFill>
+        <p:spPr>
+          <a:xfrm>
+            <a:off x="1371599" y="2434708"/>
+            <a:ext cx="4930539" cy="1466731"/>
+          </a:xfrm>
+          <a:prstGeom prst="rect">
+            <a:avLst/>
+          </a:prstGeom>
+        </p:spPr>
+      </p:pic>
+      <p:pic>
+        <p:nvPicPr>
+          <p:cNvPr id="9" name="Picture 8"/>
+          <p:cNvPicPr>
+            <a:picLocks noChangeAspect="1"/>
+          </p:cNvPicPr>
+          <p:nvPr/>
+        </p:nvPicPr>
+        <p:blipFill>
+          <a:blip r:embed="rId3"/>
+          <a:stretch>
+            <a:fillRect/>
+          </a:stretch>
+        </p:blipFill>
+        <p:spPr>
+          <a:xfrm>
+            <a:off x="1371601" y="1941871"/>
+            <a:ext cx="3570914" cy="492838"/>
+          </a:xfrm>
+          <a:prstGeom prst="rect">
+            <a:avLst/>
+          </a:prstGeom>
+        </p:spPr>
+      </p:pic>
+      <p:pic>
+        <p:nvPicPr>
+          <p:cNvPr id="10" name="Picture 9"/>
+          <p:cNvPicPr>
+            <a:picLocks noChangeAspect="1"/>
+          </p:cNvPicPr>
+          <p:nvPr/>
+        </p:nvPicPr>
+        <p:blipFill>
+          <a:blip r:embed="rId4"/>
+          <a:stretch>
+            <a:fillRect/>
+          </a:stretch>
+        </p:blipFill>
+        <p:spPr>
+          <a:xfrm>
+            <a:off x="1371600" y="4501264"/>
+            <a:ext cx="2643051" cy="513927"/>
+          </a:xfrm>
+          <a:prstGeom prst="rect">
+            <a:avLst/>
+          </a:prstGeom>
+        </p:spPr>
+      </p:pic>
+      <p:sp>
+        <p:nvSpPr>
+          <p:cNvPr id="11" name="TextBox 10"/>
+          <p:cNvSpPr txBox="1"/>
+          <p:nvPr/>
+        </p:nvSpPr>
+        <p:spPr>
+          <a:xfrm>
+            <a:off x="1371600" y="4131932"/>
+            <a:ext cx="3056709" cy="369332"/>
+          </a:xfrm>
+          <a:prstGeom prst="rect">
+            <a:avLst/>
+          </a:prstGeom>
+          <a:noFill/>
+        </p:spPr>
+        <p:txBody>
+          <a:bodyPr wrap="square" rtlCol="0">
+            <a:spAutoFit/>
+          </a:bodyPr>
+          <a:lstStyle/>
+          <a:p>
+            <a:r>
+              <a:rPr lang="en-US" dirty="0" smtClean="0"/>
+              <a:t>Splitting statement into </a:t>
+            </a:r>
+            <a:r>
+              <a:rPr lang="en-US" i="1" dirty="0" smtClean="0"/>
+              <a:t>words</a:t>
+            </a:r>
+            <a:endParaRPr lang="en-US" dirty="0"/>
+          </a:p>
+        </p:txBody>
+      </p:sp>
+      <p:pic>
+        <p:nvPicPr>
+          <p:cNvPr id="12" name="Picture 11"/>
+          <p:cNvPicPr>
+            <a:picLocks noChangeAspect="1"/>
+          </p:cNvPicPr>
+          <p:nvPr/>
+        </p:nvPicPr>
+        <p:blipFill>
+          <a:blip r:embed="rId5"/>
+          <a:stretch>
+            <a:fillRect/>
+          </a:stretch>
+        </p:blipFill>
+        <p:spPr>
+          <a:xfrm>
+            <a:off x="1371600" y="5015191"/>
+            <a:ext cx="4930538" cy="1420387"/>
+          </a:xfrm>
+          <a:prstGeom prst="rect">
+            <a:avLst/>
+          </a:prstGeom>
+        </p:spPr>
+      </p:pic>
+      <p:pic>
+        <p:nvPicPr>
+          <p:cNvPr id="13" name="Picture 12"/>
+          <p:cNvPicPr>
+            <a:picLocks noChangeAspect="1"/>
+          </p:cNvPicPr>
+          <p:nvPr/>
+        </p:nvPicPr>
+        <p:blipFill>
+          <a:blip r:embed="rId6"/>
+          <a:stretch>
+            <a:fillRect/>
+          </a:stretch>
+        </p:blipFill>
+        <p:spPr>
+          <a:xfrm>
+            <a:off x="6513195" y="1941870"/>
+            <a:ext cx="4641931" cy="1959569"/>
+          </a:xfrm>
+          <a:prstGeom prst="rect">
+            <a:avLst/>
+          </a:prstGeom>
+        </p:spPr>
+      </p:pic>
+      <p:sp>
+        <p:nvSpPr>
+          <p:cNvPr id="14" name="TextBox 13"/>
+          <p:cNvSpPr txBox="1"/>
+          <p:nvPr/>
+        </p:nvSpPr>
+        <p:spPr>
+          <a:xfrm>
+            <a:off x="6490198" y="1598879"/>
+            <a:ext cx="3056709" cy="369332"/>
+          </a:xfrm>
+          <a:prstGeom prst="rect">
+            <a:avLst/>
+          </a:prstGeom>
+          <a:noFill/>
+        </p:spPr>
+        <p:txBody>
+          <a:bodyPr wrap="square" rtlCol="0">
+            <a:spAutoFit/>
+          </a:bodyPr>
+          <a:lstStyle/>
+          <a:p>
+            <a:r>
+              <a:rPr lang="en-US" dirty="0" smtClean="0"/>
+              <a:t>Checking if </a:t>
+            </a:r>
+            <a:r>
+              <a:rPr lang="en-US" i="1" dirty="0" smtClean="0"/>
+              <a:t>word </a:t>
+            </a:r>
+            <a:r>
+              <a:rPr lang="en-US" dirty="0" smtClean="0"/>
+              <a:t>exists</a:t>
+            </a:r>
+            <a:endParaRPr lang="en-US" dirty="0"/>
           </a:p>
         </p:txBody>
       </p:sp>
     </p:spTree>
     <p:extLst>
       <p:ext uri="{BB962C8B-B14F-4D97-AF65-F5344CB8AC3E}">
-        <p14:creationId xmlns:p14="http://schemas.microsoft.com/office/powerpoint/2010/main" val="184119660"/>
+        <p14:creationId xmlns:p14="http://schemas.microsoft.com/office/powerpoint/2010/main" val="80776987"/>
       </p:ext>
     </p:extLst>
   </p:cSld>
   <p:clrMapOvr>
     <a:masterClrMapping/>
   </p:clrMapOvr>
+  <p:timing>
+    <p:tnLst>
+      <p:par>
+        <p:cTn id="1" dur="indefinite" restart="never" nodeType="tmRoot"/>
+      </p:par>
+    </p:tnLst>
+  </p:timing>
+</p:sld>
+</file>
+
+<file path=ppt/slides/slide8.xml><?xml version="1.0" encoding="utf-8"?>
+<p:sld xmlns:a="http://schemas.openxmlformats.org/drawingml/2006/main" xmlns:r="http://schemas.openxmlformats.org/officeDocument/2006/relationships" xmlns:p="http://schemas.openxmlformats.org/presentationml/2006/main">
+  <p:cSld>
+    <p:spTree>
+      <p:nvGrpSpPr>
+        <p:cNvPr id="1" name=""/>
+        <p:cNvGrpSpPr/>
+        <p:nvPr/>
+      </p:nvGrpSpPr>
+      <p:grpSpPr>
+        <a:xfrm>
+          <a:off x="0" y="0"/>
+          <a:ext cx="0" cy="0"/>
+          <a:chOff x="0" y="0"/>
+          <a:chExt cx="0" cy="0"/>
+        </a:xfrm>
+      </p:grpSpPr>
+      <p:sp>
+        <p:nvSpPr>
+          <p:cNvPr id="2" name="Title 1"/>
+          <p:cNvSpPr>
+            <a:spLocks noGrp="1"/>
+          </p:cNvSpPr>
+          <p:nvPr>
+            <p:ph type="title"/>
+          </p:nvPr>
+        </p:nvSpPr>
+        <p:spPr/>
+        <p:txBody>
+          <a:bodyPr/>
+          <a:lstStyle/>
+          <a:p>
+            <a:r>
+              <a:rPr lang="en-US" dirty="0" smtClean="0"/>
+              <a:t>Text &amp; File </a:t>
+            </a:r>
+            <a:r>
+              <a:rPr lang="en-US" dirty="0" smtClean="0"/>
+              <a:t>Input</a:t>
+            </a:r>
+            <a:endParaRPr lang="en-US" dirty="0"/>
+          </a:p>
+        </p:txBody>
+      </p:sp>
+      <p:pic>
+        <p:nvPicPr>
+          <p:cNvPr id="4" name="Picture 3"/>
+          <p:cNvPicPr>
+            <a:picLocks noChangeAspect="1"/>
+          </p:cNvPicPr>
+          <p:nvPr/>
+        </p:nvPicPr>
+        <p:blipFill>
+          <a:blip r:embed="rId2"/>
+          <a:stretch>
+            <a:fillRect/>
+          </a:stretch>
+        </p:blipFill>
+        <p:spPr>
+          <a:xfrm>
+            <a:off x="1371600" y="2171700"/>
+            <a:ext cx="7162800" cy="4333875"/>
+          </a:xfrm>
+          <a:prstGeom prst="rect">
+            <a:avLst/>
+          </a:prstGeom>
+        </p:spPr>
+      </p:pic>
+      <p:sp>
+        <p:nvSpPr>
+          <p:cNvPr id="5" name="TextBox 4"/>
+          <p:cNvSpPr txBox="1"/>
+          <p:nvPr/>
+        </p:nvSpPr>
+        <p:spPr>
+          <a:xfrm>
+            <a:off x="1371600" y="1802368"/>
+            <a:ext cx="3056709" cy="369332"/>
+          </a:xfrm>
+          <a:prstGeom prst="rect">
+            <a:avLst/>
+          </a:prstGeom>
+          <a:noFill/>
+        </p:spPr>
+        <p:txBody>
+          <a:bodyPr wrap="square" rtlCol="0">
+            <a:spAutoFit/>
+          </a:bodyPr>
+          <a:lstStyle/>
+          <a:p>
+            <a:r>
+              <a:rPr lang="en-US" dirty="0" smtClean="0"/>
+              <a:t>Getting file input</a:t>
+            </a:r>
+            <a:endParaRPr lang="en-US" dirty="0"/>
+          </a:p>
+        </p:txBody>
+      </p:sp>
+      <p:sp>
+        <p:nvSpPr>
+          <p:cNvPr id="12" name="Rectangle 11"/>
+          <p:cNvSpPr/>
+          <p:nvPr/>
+        </p:nvSpPr>
+        <p:spPr>
+          <a:xfrm>
+            <a:off x="1715589" y="4119154"/>
+            <a:ext cx="1576251" cy="383177"/>
+          </a:xfrm>
+          <a:prstGeom prst="rect">
+            <a:avLst/>
+          </a:prstGeom>
+          <a:noFill/>
+          <a:ln>
+            <a:solidFill>
+              <a:srgbClr val="FF0000"/>
+            </a:solidFill>
+          </a:ln>
+        </p:spPr>
+        <p:style>
+          <a:lnRef idx="2">
+            <a:schemeClr val="accent6"/>
+          </a:lnRef>
+          <a:fillRef idx="1">
+            <a:schemeClr val="lt1"/>
+          </a:fillRef>
+          <a:effectRef idx="0">
+            <a:schemeClr val="accent6"/>
+          </a:effectRef>
+          <a:fontRef idx="minor">
+            <a:schemeClr val="dk1"/>
+          </a:fontRef>
+        </p:style>
+        <p:txBody>
+          <a:bodyPr rtlCol="0" anchor="ctr"/>
+          <a:lstStyle/>
+          <a:p>
+            <a:pPr algn="ctr"/>
+            <a:endParaRPr lang="en-US"/>
+          </a:p>
+        </p:txBody>
+      </p:sp>
+    </p:spTree>
+    <p:extLst>
+      <p:ext uri="{BB962C8B-B14F-4D97-AF65-F5344CB8AC3E}">
+        <p14:creationId xmlns:p14="http://schemas.microsoft.com/office/powerpoint/2010/main" val="680889864"/>
+      </p:ext>
+    </p:extLst>
+  </p:cSld>
+  <p:clrMapOvr>
+    <a:masterClrMapping/>
+  </p:clrMapOvr>
+  <p:timing>
+    <p:tnLst>
+      <p:par>
+        <p:cTn id="1" dur="indefinite" restart="never" nodeType="tmRoot">
+          <p:childTnLst>
+            <p:seq concurrent="1" nextAc="seek">
+              <p:cTn id="2" dur="indefinite" nodeType="mainSeq">
+                <p:childTnLst>
+                  <p:par>
+                    <p:cTn id="3" fill="hold">
+                      <p:stCondLst>
+                        <p:cond delay="indefinite"/>
+                      </p:stCondLst>
+                      <p:childTnLst>
+                        <p:par>
+                          <p:cTn id="4" fill="hold">
+                            <p:stCondLst>
+                              <p:cond delay="0"/>
+                            </p:stCondLst>
+                            <p:childTnLst>
+                              <p:par>
+                                <p:cTn id="5" presetID="31" presetClass="entr" presetSubtype="0" fill="hold" grpId="0" nodeType="clickEffect">
+                                  <p:stCondLst>
+                                    <p:cond delay="0"/>
+                                  </p:stCondLst>
+                                  <p:childTnLst>
+                                    <p:set>
+                                      <p:cBhvr>
+                                        <p:cTn id="6" dur="1" fill="hold">
+                                          <p:stCondLst>
+                                            <p:cond delay="0"/>
+                                          </p:stCondLst>
+                                        </p:cTn>
+                                        <p:tgtEl>
+                                          <p:spTgt spid="12"/>
+                                        </p:tgtEl>
+                                        <p:attrNameLst>
+                                          <p:attrName>style.visibility</p:attrName>
+                                        </p:attrNameLst>
+                                      </p:cBhvr>
+                                      <p:to>
+                                        <p:strVal val="visible"/>
+                                      </p:to>
+                                    </p:set>
+                                    <p:anim calcmode="lin" valueType="num">
+                                      <p:cBhvr>
+                                        <p:cTn id="7" dur="1000" fill="hold"/>
+                                        <p:tgtEl>
+                                          <p:spTgt spid="12"/>
+                                        </p:tgtEl>
+                                        <p:attrNameLst>
+                                          <p:attrName>ppt_w</p:attrName>
+                                        </p:attrNameLst>
+                                      </p:cBhvr>
+                                      <p:tavLst>
+                                        <p:tav tm="0">
+                                          <p:val>
+                                            <p:fltVal val="0"/>
+                                          </p:val>
+                                        </p:tav>
+                                        <p:tav tm="100000">
+                                          <p:val>
+                                            <p:strVal val="#ppt_w"/>
+                                          </p:val>
+                                        </p:tav>
+                                      </p:tavLst>
+                                    </p:anim>
+                                    <p:anim calcmode="lin" valueType="num">
+                                      <p:cBhvr>
+                                        <p:cTn id="8" dur="1000" fill="hold"/>
+                                        <p:tgtEl>
+                                          <p:spTgt spid="12"/>
+                                        </p:tgtEl>
+                                        <p:attrNameLst>
+                                          <p:attrName>ppt_h</p:attrName>
+                                        </p:attrNameLst>
+                                      </p:cBhvr>
+                                      <p:tavLst>
+                                        <p:tav tm="0">
+                                          <p:val>
+                                            <p:fltVal val="0"/>
+                                          </p:val>
+                                        </p:tav>
+                                        <p:tav tm="100000">
+                                          <p:val>
+                                            <p:strVal val="#ppt_h"/>
+                                          </p:val>
+                                        </p:tav>
+                                      </p:tavLst>
+                                    </p:anim>
+                                    <p:anim calcmode="lin" valueType="num">
+                                      <p:cBhvr>
+                                        <p:cTn id="9" dur="1000" fill="hold"/>
+                                        <p:tgtEl>
+                                          <p:spTgt spid="12"/>
+                                        </p:tgtEl>
+                                        <p:attrNameLst>
+                                          <p:attrName>style.rotation</p:attrName>
+                                        </p:attrNameLst>
+                                      </p:cBhvr>
+                                      <p:tavLst>
+                                        <p:tav tm="0">
+                                          <p:val>
+                                            <p:fltVal val="90"/>
+                                          </p:val>
+                                        </p:tav>
+                                        <p:tav tm="100000">
+                                          <p:val>
+                                            <p:fltVal val="0"/>
+                                          </p:val>
+                                        </p:tav>
+                                      </p:tavLst>
+                                    </p:anim>
+                                    <p:animEffect transition="in" filter="fade">
+                                      <p:cBhvr>
+                                        <p:cTn id="10" dur="1000"/>
+                                        <p:tgtEl>
+                                          <p:spTgt spid="12"/>
+                                        </p:tgtEl>
+                                      </p:cBhvr>
+                                    </p:animEffect>
+                                  </p:childTnLst>
+                                </p:cTn>
+                              </p:par>
+                            </p:childTnLst>
+                          </p:cTn>
+                        </p:par>
+                      </p:childTnLst>
+                    </p:cTn>
+                  </p:par>
+                </p:childTnLst>
+              </p:cTn>
+              <p:prevCondLst>
+                <p:cond evt="onPrev" delay="0">
+                  <p:tgtEl>
+                    <p:sldTgt/>
+                  </p:tgtEl>
+                </p:cond>
+              </p:prevCondLst>
+              <p:nextCondLst>
+                <p:cond evt="onNext" delay="0">
+                  <p:tgtEl>
+                    <p:sldTgt/>
+                  </p:tgtEl>
+                </p:cond>
+              </p:nextCondLst>
+            </p:seq>
+          </p:childTnLst>
+        </p:cTn>
+      </p:par>
+    </p:tnLst>
+    <p:bldLst>
+      <p:bldP spid="12" grpId="0" animBg="1"/>
+    </p:bldLst>
+  </p:timing>
 </p:sld>
 </file>
 

--- a/ProjectFIRE.pptx
+++ b/ProjectFIRE.pptx
@@ -2,7 +2,7 @@
 <file path=ppt/presentation.xml><?xml version="1.0" encoding="utf-8"?>
 <p:presentation xmlns:a="http://schemas.openxmlformats.org/drawingml/2006/main" xmlns:r="http://schemas.openxmlformats.org/officeDocument/2006/relationships" xmlns:p="http://schemas.openxmlformats.org/presentationml/2006/main" autoCompressPictures="0">
   <p:sldMasterIdLst>
-    <p:sldMasterId id="2147483648" r:id="rId1"/>
+    <p:sldMasterId id="2147483660" r:id="rId1"/>
   </p:sldMasterIdLst>
   <p:sldIdLst>
     <p:sldId id="256" r:id="rId2"/>
@@ -13,6 +13,7 @@
     <p:sldId id="262" r:id="rId7"/>
     <p:sldId id="264" r:id="rId8"/>
     <p:sldId id="263" r:id="rId9"/>
+    <p:sldId id="265" r:id="rId10"/>
   </p:sldIdLst>
   <p:sldSz cx="12192000" cy="6858000"/>
   <p:notesSz cx="6858000" cy="9144000"/>
@@ -125,7 +126,7 @@
     <p:bg>
       <p:bgPr>
         <a:solidFill>
-          <a:schemeClr val="bg2"/>
+          <a:schemeClr val="accent1"/>
         </a:solidFill>
         <a:effectLst/>
       </p:bgPr>
@@ -214,7 +215,11 @@
                 <a:spcPts val="0"/>
               </a:spcAft>
               <a:buNone/>
-              <a:defRPr sz="2300"/>
+              <a:defRPr sz="2300">
+                <a:solidFill>
+                  <a:schemeClr val="bg2"/>
+                </a:solidFill>
+              </a:defRPr>
             </a:lvl1pPr>
             <a:lvl2pPr marL="457200" indent="0" algn="ctr">
               <a:buNone/>
@@ -287,7 +292,7 @@
           </a:lstStyle>
           <a:p>
             <a:fld id="{87DE6118-2437-4B30-8E3C-4D2BE6020583}" type="datetimeFigureOut">
-              <a:rPr lang="en-US" dirty="0"/>
+              <a:rPr lang="en-US" smtClean="0"/>
               <a:pPr/>
               <a:t>12/5/2017</a:t>
             </a:fld>
@@ -356,7 +361,7 @@
           </a:lstStyle>
           <a:p>
             <a:fld id="{69E57DC2-970A-4B3E-BB1C-7A09969E49DF}" type="slidenum">
-              <a:rPr lang="en-US" dirty="0"/>
+              <a:rPr lang="en-US" smtClean="0"/>
               <a:pPr/>
               <a:t>‹#›</a:t>
             </a:fld>
@@ -366,7 +371,7 @@
       </p:sp>
       <p:grpSp>
         <p:nvGrpSpPr>
-          <p:cNvPr id="7" name="Group 6"/>
+          <p:cNvPr id="9" name="Group 8"/>
           <p:cNvGrpSpPr/>
           <p:nvPr/>
         </p:nvGrpSpPr>
@@ -494,9 +499,14 @@
         </p:sp>
       </p:grpSp>
     </p:spTree>
+    <p:extLst>
+      <p:ext uri="{BB962C8B-B14F-4D97-AF65-F5344CB8AC3E}">
+        <p14:creationId xmlns:p14="http://schemas.microsoft.com/office/powerpoint/2010/main" val="3763719956"/>
+      </p:ext>
+    </p:extLst>
   </p:cSld>
   <p:clrMapOvr>
-    <a:overrideClrMapping bg1="lt1" tx1="dk1" bg2="lt2" tx2="dk2" accent1="accent1" accent2="accent2" accent3="accent3" accent4="accent4" accent5="accent5" accent6="accent6" hlink="hlink" folHlink="folHlink"/>
+    <a:masterClrMapping/>
   </p:clrMapOvr>
 </p:sldLayout>
 </file>
@@ -614,7 +624,7 @@
           <a:lstStyle/>
           <a:p>
             <a:fld id="{87DE6118-2437-4B30-8E3C-4D2BE6020583}" type="datetimeFigureOut">
-              <a:rPr lang="en-US" dirty="0"/>
+              <a:rPr lang="en-US" smtClean="0"/>
               <a:t>12/5/2017</a:t>
             </a:fld>
             <a:endParaRPr lang="en-US" dirty="0"/>
@@ -656,7 +666,7 @@
           <a:lstStyle/>
           <a:p>
             <a:fld id="{69E57DC2-970A-4B3E-BB1C-7A09969E49DF}" type="slidenum">
-              <a:rPr lang="en-US" dirty="0"/>
+              <a:rPr lang="en-US" smtClean="0"/>
               <a:t>‹#›</a:t>
             </a:fld>
             <a:endParaRPr lang="en-US" dirty="0"/>
@@ -664,6 +674,11 @@
         </p:txBody>
       </p:sp>
     </p:spTree>
+    <p:extLst>
+      <p:ext uri="{BB962C8B-B14F-4D97-AF65-F5344CB8AC3E}">
+        <p14:creationId xmlns:p14="http://schemas.microsoft.com/office/powerpoint/2010/main" val="319654826"/>
+      </p:ext>
+    </p:extLst>
   </p:cSld>
   <p:clrMapOvr>
     <a:masterClrMapping/>
@@ -789,7 +804,7 @@
           <a:lstStyle/>
           <a:p>
             <a:fld id="{87DE6118-2437-4B30-8E3C-4D2BE6020583}" type="datetimeFigureOut">
-              <a:rPr lang="en-US" dirty="0"/>
+              <a:rPr lang="en-US" smtClean="0"/>
               <a:t>12/5/2017</a:t>
             </a:fld>
             <a:endParaRPr lang="en-US" dirty="0"/>
@@ -831,7 +846,7 @@
           <a:lstStyle/>
           <a:p>
             <a:fld id="{69E57DC2-970A-4B3E-BB1C-7A09969E49DF}" type="slidenum">
-              <a:rPr lang="en-US" dirty="0"/>
+              <a:rPr lang="en-US" smtClean="0"/>
               <a:t>‹#›</a:t>
             </a:fld>
             <a:endParaRPr lang="en-US" dirty="0"/>
@@ -839,6 +854,11 @@
         </p:txBody>
       </p:sp>
     </p:spTree>
+    <p:extLst>
+      <p:ext uri="{BB962C8B-B14F-4D97-AF65-F5344CB8AC3E}">
+        <p14:creationId xmlns:p14="http://schemas.microsoft.com/office/powerpoint/2010/main" val="3892974800"/>
+      </p:ext>
+    </p:extLst>
   </p:cSld>
   <p:clrMapOvr>
     <a:masterClrMapping/>
@@ -954,7 +974,7 @@
           <a:lstStyle/>
           <a:p>
             <a:fld id="{87DE6118-2437-4B30-8E3C-4D2BE6020583}" type="datetimeFigureOut">
-              <a:rPr lang="en-US" dirty="0"/>
+              <a:rPr lang="en-US" smtClean="0"/>
               <a:t>12/5/2017</a:t>
             </a:fld>
             <a:endParaRPr lang="en-US" dirty="0"/>
@@ -996,7 +1016,7 @@
           <a:lstStyle/>
           <a:p>
             <a:fld id="{69E57DC2-970A-4B3E-BB1C-7A09969E49DF}" type="slidenum">
-              <a:rPr lang="en-US" dirty="0"/>
+              <a:rPr lang="en-US" smtClean="0"/>
               <a:t>‹#›</a:t>
             </a:fld>
             <a:endParaRPr lang="en-US" dirty="0"/>
@@ -1004,6 +1024,11 @@
         </p:txBody>
       </p:sp>
     </p:spTree>
+    <p:extLst>
+      <p:ext uri="{BB962C8B-B14F-4D97-AF65-F5344CB8AC3E}">
+        <p14:creationId xmlns:p14="http://schemas.microsoft.com/office/powerpoint/2010/main" val="3199474694"/>
+      </p:ext>
+    </p:extLst>
   </p:cSld>
   <p:clrMapOvr>
     <a:masterClrMapping/>
@@ -1057,7 +1082,7 @@
             <a:lvl1pPr algn="r">
               <a:defRPr sz="7200" cap="all" baseline="0">
                 <a:solidFill>
-                  <a:schemeClr val="tx2"/>
+                  <a:schemeClr val="accent1"/>
                 </a:solidFill>
               </a:defRPr>
             </a:lvl1pPr>
@@ -1226,7 +1251,7 @@
           </a:lstStyle>
           <a:p>
             <a:fld id="{87DE6118-2437-4B30-8E3C-4D2BE6020583}" type="datetimeFigureOut">
-              <a:rPr lang="en-US" dirty="0"/>
+              <a:rPr lang="en-US" smtClean="0"/>
               <a:pPr/>
               <a:t>12/5/2017</a:t>
             </a:fld>
@@ -1295,7 +1320,7 @@
           </a:lstStyle>
           <a:p>
             <a:fld id="{69E57DC2-970A-4B3E-BB1C-7A09969E49DF}" type="slidenum">
-              <a:rPr lang="en-US" dirty="0"/>
+              <a:rPr lang="en-US" smtClean="0"/>
               <a:pPr/>
               <a:t>‹#›</a:t>
             </a:fld>
@@ -1348,7 +1373,7 @@
             </a:pathLst>
           </a:custGeom>
           <a:solidFill>
-            <a:schemeClr val="tx2"/>
+            <a:schemeClr val="accent1"/>
           </a:solidFill>
           <a:ln w="0">
             <a:noFill/>
@@ -1360,6 +1385,11 @@
         </p:spPr>
       </p:sp>
     </p:spTree>
+    <p:extLst>
+      <p:ext uri="{BB962C8B-B14F-4D97-AF65-F5344CB8AC3E}">
+        <p14:creationId xmlns:p14="http://schemas.microsoft.com/office/powerpoint/2010/main" val="4081204583"/>
+      </p:ext>
+    </p:extLst>
   </p:cSld>
   <p:clrMapOvr>
     <a:overrideClrMapping bg1="dk1" tx1="lt1" bg2="dk2" tx2="lt2" accent1="accent1" accent2="accent2" accent3="accent3" accent4="accent4" accent5="accent5" accent6="accent6" hlink="hlink" folHlink="folHlink"/>
@@ -1617,7 +1647,7 @@
           <a:lstStyle/>
           <a:p>
             <a:fld id="{87DE6118-2437-4B30-8E3C-4D2BE6020583}" type="datetimeFigureOut">
-              <a:rPr lang="en-US" dirty="0"/>
+              <a:rPr lang="en-US" smtClean="0"/>
               <a:t>12/5/2017</a:t>
             </a:fld>
             <a:endParaRPr lang="en-US" dirty="0"/>
@@ -1659,7 +1689,7 @@
           <a:lstStyle/>
           <a:p>
             <a:fld id="{69E57DC2-970A-4B3E-BB1C-7A09969E49DF}" type="slidenum">
-              <a:rPr lang="en-US" dirty="0"/>
+              <a:rPr lang="en-US" smtClean="0"/>
               <a:t>‹#›</a:t>
             </a:fld>
             <a:endParaRPr lang="en-US" dirty="0"/>
@@ -1667,6 +1697,11 @@
         </p:txBody>
       </p:sp>
     </p:spTree>
+    <p:extLst>
+      <p:ext uri="{BB962C8B-B14F-4D97-AF65-F5344CB8AC3E}">
+        <p14:creationId xmlns:p14="http://schemas.microsoft.com/office/powerpoint/2010/main" val="2055628006"/>
+      </p:ext>
+    </p:extLst>
   </p:cSld>
   <p:clrMapOvr>
     <a:masterClrMapping/>
@@ -2089,7 +2124,7 @@
           <a:lstStyle/>
           <a:p>
             <a:fld id="{87DE6118-2437-4B30-8E3C-4D2BE6020583}" type="datetimeFigureOut">
-              <a:rPr lang="en-US" dirty="0"/>
+              <a:rPr lang="en-US" smtClean="0"/>
               <a:t>12/5/2017</a:t>
             </a:fld>
             <a:endParaRPr lang="en-US" dirty="0"/>
@@ -2131,7 +2166,7 @@
           <a:lstStyle/>
           <a:p>
             <a:fld id="{69E57DC2-970A-4B3E-BB1C-7A09969E49DF}" type="slidenum">
-              <a:rPr lang="en-US" dirty="0"/>
+              <a:rPr lang="en-US" smtClean="0"/>
               <a:t>‹#›</a:t>
             </a:fld>
             <a:endParaRPr lang="en-US" dirty="0"/>
@@ -2139,6 +2174,11 @@
         </p:txBody>
       </p:sp>
     </p:spTree>
+    <p:extLst>
+      <p:ext uri="{BB962C8B-B14F-4D97-AF65-F5344CB8AC3E}">
+        <p14:creationId xmlns:p14="http://schemas.microsoft.com/office/powerpoint/2010/main" val="1955359710"/>
+      </p:ext>
+    </p:extLst>
   </p:cSld>
   <p:clrMapOvr>
     <a:masterClrMapping/>
@@ -2202,7 +2242,7 @@
           <a:lstStyle/>
           <a:p>
             <a:fld id="{87DE6118-2437-4B30-8E3C-4D2BE6020583}" type="datetimeFigureOut">
-              <a:rPr lang="en-US" dirty="0"/>
+              <a:rPr lang="en-US" smtClean="0"/>
               <a:t>12/5/2017</a:t>
             </a:fld>
             <a:endParaRPr lang="en-US" dirty="0"/>
@@ -2244,7 +2284,7 @@
           <a:lstStyle/>
           <a:p>
             <a:fld id="{69E57DC2-970A-4B3E-BB1C-7A09969E49DF}" type="slidenum">
-              <a:rPr lang="en-US" dirty="0"/>
+              <a:rPr lang="en-US" smtClean="0"/>
               <a:t>‹#›</a:t>
             </a:fld>
             <a:endParaRPr lang="en-US" dirty="0"/>
@@ -2252,6 +2292,11 @@
         </p:txBody>
       </p:sp>
     </p:spTree>
+    <p:extLst>
+      <p:ext uri="{BB962C8B-B14F-4D97-AF65-F5344CB8AC3E}">
+        <p14:creationId xmlns:p14="http://schemas.microsoft.com/office/powerpoint/2010/main" val="3644744052"/>
+      </p:ext>
+    </p:extLst>
   </p:cSld>
   <p:clrMapOvr>
     <a:masterClrMapping/>
@@ -2292,7 +2337,7 @@
           <a:lstStyle/>
           <a:p>
             <a:fld id="{87DE6118-2437-4B30-8E3C-4D2BE6020583}" type="datetimeFigureOut">
-              <a:rPr lang="en-US" dirty="0"/>
+              <a:rPr lang="en-US" smtClean="0"/>
               <a:t>12/5/2017</a:t>
             </a:fld>
             <a:endParaRPr lang="en-US" dirty="0"/>
@@ -2334,7 +2379,7 @@
           <a:lstStyle/>
           <a:p>
             <a:fld id="{69E57DC2-970A-4B3E-BB1C-7A09969E49DF}" type="slidenum">
-              <a:rPr lang="en-US" dirty="0"/>
+              <a:rPr lang="en-US" smtClean="0"/>
               <a:t>‹#›</a:t>
             </a:fld>
             <a:endParaRPr lang="en-US" dirty="0"/>
@@ -2342,6 +2387,11 @@
         </p:txBody>
       </p:sp>
     </p:spTree>
+    <p:extLst>
+      <p:ext uri="{BB962C8B-B14F-4D97-AF65-F5344CB8AC3E}">
+        <p14:creationId xmlns:p14="http://schemas.microsoft.com/office/powerpoint/2010/main" val="985435385"/>
+      </p:ext>
+    </p:extLst>
   </p:cSld>
   <p:clrMapOvr>
     <a:masterClrMapping/>
@@ -2633,7 +2683,7 @@
           </a:lstStyle>
           <a:p>
             <a:fld id="{87DE6118-2437-4B30-8E3C-4D2BE6020583}" type="datetimeFigureOut">
-              <a:rPr lang="en-US" dirty="0"/>
+              <a:rPr lang="en-US" smtClean="0"/>
               <a:pPr/>
               <a:t>12/5/2017</a:t>
             </a:fld>
@@ -2702,7 +2752,7 @@
           </a:lstStyle>
           <a:p>
             <a:fld id="{69E57DC2-970A-4B3E-BB1C-7A09969E49DF}" type="slidenum">
-              <a:rPr lang="en-US" dirty="0"/>
+              <a:rPr lang="en-US" smtClean="0"/>
               <a:pPr/>
               <a:t>‹#›</a:t>
             </a:fld>
@@ -2749,6 +2799,11 @@
         </p:style>
       </p:sp>
     </p:spTree>
+    <p:extLst>
+      <p:ext uri="{BB962C8B-B14F-4D97-AF65-F5344CB8AC3E}">
+        <p14:creationId xmlns:p14="http://schemas.microsoft.com/office/powerpoint/2010/main" val="4173555588"/>
+      </p:ext>
+    </p:extLst>
   </p:cSld>
   <p:clrMapOvr>
     <a:masterClrMapping/>
@@ -3018,7 +3073,7 @@
           </a:lstStyle>
           <a:p>
             <a:fld id="{87DE6118-2437-4B30-8E3C-4D2BE6020583}" type="datetimeFigureOut">
-              <a:rPr lang="en-US" dirty="0"/>
+              <a:rPr lang="en-US" smtClean="0"/>
               <a:pPr/>
               <a:t>12/5/2017</a:t>
             </a:fld>
@@ -3087,7 +3142,7 @@
           </a:lstStyle>
           <a:p>
             <a:fld id="{69E57DC2-970A-4B3E-BB1C-7A09969E49DF}" type="slidenum">
-              <a:rPr lang="en-US" dirty="0"/>
+              <a:rPr lang="en-US" smtClean="0"/>
               <a:pPr/>
               <a:t>‹#›</a:t>
             </a:fld>
@@ -3134,6 +3189,11 @@
         </p:style>
       </p:sp>
     </p:spTree>
+    <p:extLst>
+      <p:ext uri="{BB962C8B-B14F-4D97-AF65-F5344CB8AC3E}">
+        <p14:creationId xmlns:p14="http://schemas.microsoft.com/office/powerpoint/2010/main" val="2492107891"/>
+      </p:ext>
+    </p:extLst>
   </p:cSld>
   <p:clrMapOvr>
     <a:masterClrMapping/>
@@ -3293,7 +3353,7 @@
           </a:lstStyle>
           <a:p>
             <a:fld id="{87DE6118-2437-4B30-8E3C-4D2BE6020583}" type="datetimeFigureOut">
-              <a:rPr lang="en-US" dirty="0"/>
+              <a:rPr lang="en-US" smtClean="0"/>
               <a:pPr/>
               <a:t>12/5/2017</a:t>
             </a:fld>
@@ -3368,7 +3428,7 @@
           </a:lstStyle>
           <a:p>
             <a:fld id="{69E57DC2-970A-4B3E-BB1C-7A09969E49DF}" type="slidenum">
-              <a:rPr lang="en-US" dirty="0"/>
+              <a:rPr lang="en-US" smtClean="0"/>
               <a:pPr/>
               <a:t>‹#›</a:t>
             </a:fld>
@@ -3415,20 +3475,25 @@
         </p:style>
       </p:sp>
     </p:spTree>
+    <p:extLst>
+      <p:ext uri="{BB962C8B-B14F-4D97-AF65-F5344CB8AC3E}">
+        <p14:creationId xmlns:p14="http://schemas.microsoft.com/office/powerpoint/2010/main" val="3336295503"/>
+      </p:ext>
+    </p:extLst>
   </p:cSld>
   <p:clrMap bg1="lt1" tx1="dk1" bg2="lt2" tx2="dk2" accent1="accent1" accent2="accent2" accent3="accent3" accent4="accent4" accent5="accent5" accent6="accent6" hlink="hlink" folHlink="folHlink"/>
   <p:sldLayoutIdLst>
-    <p:sldLayoutId id="2147483649" r:id="rId1"/>
-    <p:sldLayoutId id="2147483650" r:id="rId2"/>
-    <p:sldLayoutId id="2147483651" r:id="rId3"/>
-    <p:sldLayoutId id="2147483652" r:id="rId4"/>
-    <p:sldLayoutId id="2147483653" r:id="rId5"/>
-    <p:sldLayoutId id="2147483654" r:id="rId6"/>
-    <p:sldLayoutId id="2147483655" r:id="rId7"/>
-    <p:sldLayoutId id="2147483656" r:id="rId8"/>
-    <p:sldLayoutId id="2147483657" r:id="rId9"/>
-    <p:sldLayoutId id="2147483658" r:id="rId10"/>
-    <p:sldLayoutId id="2147483659" r:id="rId11"/>
+    <p:sldLayoutId id="2147483661" r:id="rId1"/>
+    <p:sldLayoutId id="2147483662" r:id="rId2"/>
+    <p:sldLayoutId id="2147483663" r:id="rId3"/>
+    <p:sldLayoutId id="2147483664" r:id="rId4"/>
+    <p:sldLayoutId id="2147483665" r:id="rId5"/>
+    <p:sldLayoutId id="2147483666" r:id="rId6"/>
+    <p:sldLayoutId id="2147483667" r:id="rId7"/>
+    <p:sldLayoutId id="2147483668" r:id="rId8"/>
+    <p:sldLayoutId id="2147483669" r:id="rId9"/>
+    <p:sldLayoutId id="2147483670" r:id="rId10"/>
+    <p:sldLayoutId id="2147483671" r:id="rId11"/>
   </p:sldLayoutIdLst>
   <p:txStyles>
     <p:titleStyle>
@@ -3865,6 +3930,13 @@
   <p:clrMapOvr>
     <a:masterClrMapping/>
   </p:clrMapOvr>
+  <p:timing>
+    <p:tnLst>
+      <p:par>
+        <p:cTn id="1" dur="indefinite" restart="never" nodeType="tmRoot"/>
+      </p:par>
+    </p:tnLst>
+  </p:timing>
 </p:sld>
 </file>
 
@@ -3947,35 +4019,51 @@
             </a:r>
             <a:r>
               <a:rPr lang="en-US" i="1" dirty="0" smtClean="0"/>
-              <a:t>Very Hard…)</a:t>
+              <a:t>Very Hard</a:t>
+            </a:r>
+            <a:r>
+              <a:rPr lang="en-US" i="1" dirty="0" smtClean="0"/>
+              <a:t>…)</a:t>
+            </a:r>
+          </a:p>
+          <a:p>
+            <a:pPr lvl="1"/>
+            <a:r>
+              <a:rPr lang="en-US" dirty="0" smtClean="0"/>
+              <a:t>Considerations</a:t>
             </a:r>
             <a:endParaRPr lang="en-US" i="1" dirty="0"/>
           </a:p>
           <a:p>
-            <a:pPr lvl="1"/>
-            <a:r>
-              <a:rPr lang="en-US" sz="2400" dirty="0" smtClean="0"/>
+            <a:pPr lvl="2"/>
+            <a:r>
+              <a:rPr lang="en-US" sz="2200" dirty="0" smtClean="0"/>
               <a:t>Resources</a:t>
             </a:r>
           </a:p>
           <a:p>
-            <a:pPr lvl="1"/>
-            <a:r>
-              <a:rPr lang="en-US" sz="2400" dirty="0" smtClean="0"/>
-              <a:t>Compiled vs interpreted</a:t>
-            </a:r>
-          </a:p>
-          <a:p>
-            <a:pPr lvl="1"/>
-            <a:r>
-              <a:rPr lang="en-US" sz="2400" dirty="0" smtClean="0"/>
+            <a:pPr lvl="2"/>
+            <a:r>
+              <a:rPr lang="en-US" sz="2200" dirty="0" smtClean="0"/>
+              <a:t>Compiled vs </a:t>
+            </a:r>
+            <a:r>
+              <a:rPr lang="en-US" sz="2200" dirty="0" smtClean="0"/>
+              <a:t>Interpreted</a:t>
+            </a:r>
+            <a:endParaRPr lang="en-US" sz="2200" dirty="0" smtClean="0"/>
+          </a:p>
+          <a:p>
+            <a:pPr lvl="2"/>
+            <a:r>
+              <a:rPr lang="en-US" sz="2200" dirty="0" smtClean="0"/>
               <a:t>Client-side vs Server-side</a:t>
             </a:r>
           </a:p>
           <a:p>
-            <a:pPr lvl="1"/>
-            <a:r>
-              <a:rPr lang="en-US" sz="2400" dirty="0" smtClean="0"/>
+            <a:pPr lvl="2"/>
+            <a:r>
+              <a:rPr lang="en-US" sz="2200" dirty="0" smtClean="0"/>
               <a:t>Making a language with another language</a:t>
             </a:r>
           </a:p>
@@ -3997,6 +4085,13 @@
   <p:clrMapOvr>
     <a:masterClrMapping/>
   </p:clrMapOvr>
+  <p:timing>
+    <p:tnLst>
+      <p:par>
+        <p:cTn id="1" dur="indefinite" restart="never" nodeType="tmRoot"/>
+      </p:par>
+    </p:tnLst>
+  </p:timing>
 </p:sld>
 </file>
 
@@ -4033,16 +4128,28 @@
           <a:lstStyle/>
           <a:p>
             <a:r>
+              <a:rPr lang="en-US" dirty="0"/>
+              <a:t>Our </a:t>
+            </a:r>
+            <a:r>
               <a:rPr lang="en-US" dirty="0" smtClean="0"/>
-              <a:t>Iced Latte </a:t>
+              <a:t>Language: </a:t>
+            </a:r>
+            <a:r>
+              <a:rPr lang="en-US" b="1" dirty="0" smtClean="0"/>
+              <a:t>Iced </a:t>
+            </a:r>
+            <a:r>
+              <a:rPr lang="en-US" b="1" dirty="0" smtClean="0"/>
+              <a:t>Latte </a:t>
+            </a:r>
+            <a:r>
+              <a:rPr lang="en-US" dirty="0" smtClean="0"/>
+              <a:t/>
             </a:r>
             <a:br>
               <a:rPr lang="en-US" dirty="0" smtClean="0"/>
             </a:br>
-            <a:r>
-              <a:rPr lang="en-US" sz="3200" dirty="0" smtClean="0"/>
-              <a:t>(Our Language)</a:t>
-            </a:r>
             <a:endParaRPr lang="en-US" sz="3200" dirty="0"/>
           </a:p>
         </p:txBody>
@@ -4059,50 +4166,52 @@
         </p:nvSpPr>
         <p:spPr/>
         <p:txBody>
-          <a:bodyPr/>
+          <a:bodyPr>
+            <a:normAutofit/>
+          </a:bodyPr>
           <a:lstStyle/>
           <a:p>
             <a:r>
-              <a:rPr lang="en-US" dirty="0"/>
+              <a:rPr lang="en-US" sz="2800" dirty="0"/>
               <a:t>Interpreted</a:t>
             </a:r>
           </a:p>
           <a:p>
             <a:r>
-              <a:rPr lang="en-US" dirty="0"/>
+              <a:rPr lang="en-US" sz="2800" dirty="0"/>
               <a:t>Client-side</a:t>
             </a:r>
           </a:p>
           <a:p>
             <a:pPr lvl="1"/>
             <a:r>
-              <a:rPr lang="en-US" dirty="0"/>
+              <a:rPr lang="en-US" sz="2800" dirty="0"/>
               <a:t>HTML &amp; JavaScript</a:t>
             </a:r>
           </a:p>
           <a:p>
             <a:r>
-              <a:rPr lang="en-US" dirty="0"/>
+              <a:rPr lang="en-US" sz="2800" dirty="0"/>
               <a:t>Loosely-typed </a:t>
             </a:r>
             <a:r>
-              <a:rPr lang="en-US" dirty="0" smtClean="0">
+              <a:rPr lang="en-US" sz="2800" dirty="0" smtClean="0">
                 <a:sym typeface="Wingdings" panose="05000000000000000000" pitchFamily="2" charset="2"/>
               </a:rPr>
               <a:t></a:t>
             </a:r>
             <a:r>
-              <a:rPr lang="en-US" dirty="0" smtClean="0"/>
+              <a:rPr lang="en-US" sz="2800" dirty="0" smtClean="0"/>
               <a:t> </a:t>
             </a:r>
             <a:r>
-              <a:rPr lang="en-US" dirty="0"/>
+              <a:rPr lang="en-US" sz="2800" dirty="0"/>
               <a:t>strongly-typed</a:t>
             </a:r>
           </a:p>
           <a:p>
             <a:r>
-              <a:rPr lang="en-US" dirty="0"/>
+              <a:rPr lang="en-US" sz="2800" dirty="0"/>
               <a:t>“.iced” files</a:t>
             </a:r>
           </a:p>
@@ -4118,6 +4227,130 @@
   <p:clrMapOvr>
     <a:masterClrMapping/>
   </p:clrMapOvr>
+  <p:timing>
+    <p:tnLst>
+      <p:par>
+        <p:cTn id="1" dur="indefinite" restart="never" nodeType="tmRoot">
+          <p:childTnLst>
+            <p:seq concurrent="1" nextAc="seek">
+              <p:cTn id="2" dur="indefinite" nodeType="mainSeq">
+                <p:childTnLst>
+                  <p:par>
+                    <p:cTn id="3" fill="hold">
+                      <p:stCondLst>
+                        <p:cond delay="indefinite"/>
+                      </p:stCondLst>
+                      <p:childTnLst>
+                        <p:par>
+                          <p:cTn id="4" fill="hold">
+                            <p:stCondLst>
+                              <p:cond delay="0"/>
+                            </p:stCondLst>
+                            <p:childTnLst>
+                              <p:par>
+                                <p:cTn id="5" presetID="2" presetClass="entr" presetSubtype="4" fill="hold" grpId="0" nodeType="clickEffect">
+                                  <p:stCondLst>
+                                    <p:cond delay="0"/>
+                                  </p:stCondLst>
+                                  <p:childTnLst>
+                                    <p:set>
+                                      <p:cBhvr>
+                                        <p:cTn id="6" dur="1" fill="hold">
+                                          <p:stCondLst>
+                                            <p:cond delay="0"/>
+                                          </p:stCondLst>
+                                        </p:cTn>
+                                        <p:tgtEl>
+                                          <p:spTgt spid="2"/>
+                                        </p:tgtEl>
+                                        <p:attrNameLst>
+                                          <p:attrName>style.visibility</p:attrName>
+                                        </p:attrNameLst>
+                                      </p:cBhvr>
+                                      <p:to>
+                                        <p:strVal val="visible"/>
+                                      </p:to>
+                                    </p:set>
+                                    <p:anim calcmode="lin" valueType="num">
+                                      <p:cBhvr additive="base">
+                                        <p:cTn id="7" dur="500" fill="hold"/>
+                                        <p:tgtEl>
+                                          <p:spTgt spid="2"/>
+                                        </p:tgtEl>
+                                        <p:attrNameLst>
+                                          <p:attrName>ppt_x</p:attrName>
+                                        </p:attrNameLst>
+                                      </p:cBhvr>
+                                      <p:tavLst>
+                                        <p:tav tm="0">
+                                          <p:val>
+                                            <p:strVal val="#ppt_x"/>
+                                          </p:val>
+                                        </p:tav>
+                                        <p:tav tm="100000">
+                                          <p:val>
+                                            <p:strVal val="#ppt_x"/>
+                                          </p:val>
+                                        </p:tav>
+                                      </p:tavLst>
+                                    </p:anim>
+                                    <p:anim calcmode="lin" valueType="num">
+                                      <p:cBhvr additive="base">
+                                        <p:cTn id="8" dur="500" fill="hold"/>
+                                        <p:tgtEl>
+                                          <p:spTgt spid="2"/>
+                                        </p:tgtEl>
+                                        <p:attrNameLst>
+                                          <p:attrName>ppt_y</p:attrName>
+                                        </p:attrNameLst>
+                                      </p:cBhvr>
+                                      <p:tavLst>
+                                        <p:tav tm="0">
+                                          <p:val>
+                                            <p:strVal val="1+#ppt_h/2"/>
+                                          </p:val>
+                                        </p:tav>
+                                        <p:tav tm="100000">
+                                          <p:val>
+                                            <p:strVal val="#ppt_y"/>
+                                          </p:val>
+                                        </p:tav>
+                                      </p:tavLst>
+                                    </p:anim>
+                                  </p:childTnLst>
+                                </p:cTn>
+                              </p:par>
+                            </p:childTnLst>
+                          </p:cTn>
+                        </p:par>
+                      </p:childTnLst>
+                    </p:cTn>
+                  </p:par>
+                </p:childTnLst>
+              </p:cTn>
+              <p:prevCondLst>
+                <p:cond evt="onPrev" delay="0">
+                  <p:tgtEl>
+                    <p:sldTgt/>
+                  </p:tgtEl>
+                </p:cond>
+              </p:prevCondLst>
+              <p:nextCondLst>
+                <p:cond evt="onNext" delay="0">
+                  <p:tgtEl>
+                    <p:sldTgt/>
+                  </p:tgtEl>
+                </p:cond>
+              </p:nextCondLst>
+            </p:seq>
+          </p:childTnLst>
+        </p:cTn>
+      </p:par>
+    </p:tnLst>
+    <p:bldLst>
+      <p:bldP spid="2" grpId="0"/>
+    </p:bldLst>
+  </p:timing>
 </p:sld>
 </file>
 
@@ -4179,6 +4412,13 @@
   <p:clrMapOvr>
     <a:masterClrMapping/>
   </p:clrMapOvr>
+  <p:timing>
+    <p:tnLst>
+      <p:par>
+        <p:cTn id="1" dur="indefinite" restart="never" nodeType="tmRoot"/>
+      </p:par>
+    </p:tnLst>
+  </p:timing>
 </p:sld>
 </file>
 
@@ -4346,6 +4586,13 @@
   <p:clrMapOvr>
     <a:masterClrMapping/>
   </p:clrMapOvr>
+  <p:timing>
+    <p:tnLst>
+      <p:par>
+        <p:cTn id="1" dur="indefinite" restart="never" nodeType="tmRoot"/>
+      </p:par>
+    </p:tnLst>
+  </p:timing>
 </p:sld>
 </file>
 
@@ -4823,11 +5070,7 @@
           <a:p>
             <a:r>
               <a:rPr lang="en-US" dirty="0" smtClean="0"/>
-              <a:t>Text &amp; File </a:t>
-            </a:r>
-            <a:r>
-              <a:rPr lang="en-US" dirty="0" smtClean="0"/>
-              <a:t>Input</a:t>
+              <a:t>Text &amp; File Input</a:t>
             </a:r>
             <a:endParaRPr lang="en-US" dirty="0"/>
           </a:p>
@@ -5099,6 +5342,99 @@
 </p:sld>
 </file>
 
+<file path=ppt/slides/slide9.xml><?xml version="1.0" encoding="utf-8"?>
+<p:sld xmlns:a="http://schemas.openxmlformats.org/drawingml/2006/main" xmlns:r="http://schemas.openxmlformats.org/officeDocument/2006/relationships" xmlns:p="http://schemas.openxmlformats.org/presentationml/2006/main">
+  <p:cSld>
+    <p:spTree>
+      <p:nvGrpSpPr>
+        <p:cNvPr id="1" name=""/>
+        <p:cNvGrpSpPr/>
+        <p:nvPr/>
+      </p:nvGrpSpPr>
+      <p:grpSpPr>
+        <a:xfrm>
+          <a:off x="0" y="0"/>
+          <a:ext cx="0" cy="0"/>
+          <a:chOff x="0" y="0"/>
+          <a:chExt cx="0" cy="0"/>
+        </a:xfrm>
+      </p:grpSpPr>
+      <p:sp>
+        <p:nvSpPr>
+          <p:cNvPr id="2" name="Title 1"/>
+          <p:cNvSpPr>
+            <a:spLocks noGrp="1"/>
+          </p:cNvSpPr>
+          <p:nvPr>
+            <p:ph type="title"/>
+          </p:nvPr>
+        </p:nvSpPr>
+        <p:spPr/>
+        <p:txBody>
+          <a:bodyPr/>
+          <a:lstStyle/>
+          <a:p>
+            <a:r>
+              <a:rPr lang="en-US" dirty="0" smtClean="0"/>
+              <a:t>Sources</a:t>
+            </a:r>
+            <a:endParaRPr lang="en-US" dirty="0"/>
+          </a:p>
+        </p:txBody>
+      </p:sp>
+      <p:sp>
+        <p:nvSpPr>
+          <p:cNvPr id="3" name="Content Placeholder 2"/>
+          <p:cNvSpPr>
+            <a:spLocks noGrp="1"/>
+          </p:cNvSpPr>
+          <p:nvPr>
+            <p:ph idx="1"/>
+          </p:nvPr>
+        </p:nvSpPr>
+        <p:spPr/>
+        <p:txBody>
+          <a:bodyPr>
+            <a:normAutofit/>
+          </a:bodyPr>
+          <a:lstStyle/>
+          <a:p>
+            <a:r>
+              <a:rPr lang="en-US" sz="3200" dirty="0"/>
+              <a:t>Felix </a:t>
+            </a:r>
+            <a:r>
+              <a:rPr lang="en-US" sz="3200" dirty="0" err="1" smtClean="0"/>
+              <a:t>Pleşoianu</a:t>
+            </a:r>
+            <a:r>
+              <a:rPr lang="en-US" sz="3200" dirty="0" smtClean="0"/>
+              <a:t> </a:t>
+            </a:r>
+            <a:endParaRPr lang="en-US" sz="3200" dirty="0"/>
+          </a:p>
+        </p:txBody>
+      </p:sp>
+    </p:spTree>
+    <p:extLst>
+      <p:ext uri="{BB962C8B-B14F-4D97-AF65-F5344CB8AC3E}">
+        <p14:creationId xmlns:p14="http://schemas.microsoft.com/office/powerpoint/2010/main" val="453039021"/>
+      </p:ext>
+    </p:extLst>
+  </p:cSld>
+  <p:clrMapOvr>
+    <a:masterClrMapping/>
+  </p:clrMapOvr>
+  <p:timing>
+    <p:tnLst>
+      <p:par>
+        <p:cTn id="1" dur="indefinite" restart="never" nodeType="tmRoot"/>
+      </p:par>
+    </p:tnLst>
+  </p:timing>
+</p:sld>
+</file>
+
 <file path=ppt/theme/theme1.xml><?xml version="1.0" encoding="utf-8"?>
 <a:theme xmlns:a="http://schemas.openxmlformats.org/drawingml/2006/main" name="Crop">
   <a:themeElements>
@@ -5110,34 +5446,34 @@
         <a:sysClr val="window" lastClr="FFFFFF"/>
       </a:lt1>
       <a:dk2>
-        <a:srgbClr val="191B0E"/>
+        <a:srgbClr val="4A2318"/>
       </a:dk2>
       <a:lt2>
-        <a:srgbClr val="EFEDE3"/>
+        <a:srgbClr val="EDECEB"/>
       </a:lt2>
       <a:accent1>
-        <a:srgbClr val="8C8D86"/>
+        <a:srgbClr val="F3C82E"/>
       </a:accent1>
       <a:accent2>
-        <a:srgbClr val="E6C069"/>
+        <a:srgbClr val="A26176"/>
       </a:accent2>
       <a:accent3>
-        <a:srgbClr val="897B61"/>
+        <a:srgbClr val="74A94E"/>
       </a:accent3>
       <a:accent4>
-        <a:srgbClr val="8DAB8E"/>
+        <a:srgbClr val="188E8D"/>
       </a:accent4>
       <a:accent5>
-        <a:srgbClr val="77A2BB"/>
+        <a:srgbClr val="EE913A"/>
       </a:accent5>
       <a:accent6>
-        <a:srgbClr val="E28394"/>
+        <a:srgbClr val="DF5D4A"/>
       </a:accent6>
       <a:hlink>
-        <a:srgbClr val="77A2BB"/>
+        <a:srgbClr val="188E8D"/>
       </a:hlink>
       <a:folHlink>
-        <a:srgbClr val="957A99"/>
+        <a:srgbClr val="A26176"/>
       </a:folHlink>
     </a:clrScheme>
     <a:fontScheme name="Crop">
@@ -5351,7 +5687,7 @@
   <a:extraClrSchemeLst/>
   <a:extLst>
     <a:ext uri="{05A4C25C-085E-4340-85A3-A5531E510DB2}">
-      <thm15:themeFamily xmlns:thm15="http://schemas.microsoft.com/office/thememl/2012/main" name="Crop" id="{EC9488ED-E761-4D60-9AC4-764D1FE2C171}" vid="{CE19780C-D67D-4C13-9DE9-A52BC3BA51B4}"/>
+      <thm15:themeFamily xmlns:thm15="http://schemas.microsoft.com/office/thememl/2012/main" name="Crop" id="{EC9488ED-E761-4D60-9AC4-764D1FE2C171}" vid="{D7AA1D6E-F3E9-4763-A3BC-84DF2E02F60F}"/>
     </a:ext>
   </a:extLst>
 </a:theme>
